--- a/ONIP/onip_b4_objet/seance1_classes/B4_1_Classes_et_objets.pptx
+++ b/ONIP/onip_b4_objet/seance1_classes/B4_1_Classes_et_objets.pptx
@@ -227,7 +227,7 @@
           <a:p>
             <a:fld id="{95F60532-AC81-4152-B45E-E054A978F780}" type="datetimeFigureOut">
               <a:rPr lang="fr-FR" smtClean="0"/>
-              <a:t>21/01/2024</a:t>
+              <a:t>19/02/2024</a:t>
             </a:fld>
             <a:endParaRPr lang="fr-FR"/>
           </a:p>
@@ -902,7 +902,7 @@
           <a:p>
             <a:fld id="{02AC24A9-CCB6-4F8D-B8DB-C2F3692CFA5A}" type="datetimeFigureOut">
               <a:rPr lang="en-US" smtClean="0"/>
-              <a:t>1/21/2024</a:t>
+              <a:t>2/19/2024</a:t>
             </a:fld>
             <a:endParaRPr lang="en-US" dirty="0"/>
           </a:p>
@@ -1272,7 +1272,7 @@
           <a:p>
             <a:fld id="{02AC24A9-CCB6-4F8D-B8DB-C2F3692CFA5A}" type="datetimeFigureOut">
               <a:rPr lang="en-US" smtClean="0"/>
-              <a:t>1/21/2024</a:t>
+              <a:t>2/19/2024</a:t>
             </a:fld>
             <a:endParaRPr lang="en-US"/>
           </a:p>
@@ -1481,7 +1481,7 @@
           <a:p>
             <a:fld id="{02AC24A9-CCB6-4F8D-B8DB-C2F3692CFA5A}" type="datetimeFigureOut">
               <a:rPr lang="en-US" smtClean="0"/>
-              <a:t>1/21/2024</a:t>
+              <a:t>2/19/2024</a:t>
             </a:fld>
             <a:endParaRPr lang="en-US"/>
           </a:p>
@@ -1951,7 +1951,7 @@
           <a:p>
             <a:fld id="{02AC24A9-CCB6-4F8D-B8DB-C2F3692CFA5A}" type="datetimeFigureOut">
               <a:rPr lang="en-US" smtClean="0"/>
-              <a:t>1/21/2024</a:t>
+              <a:t>2/19/2024</a:t>
             </a:fld>
             <a:endParaRPr lang="en-US"/>
           </a:p>
@@ -2405,7 +2405,7 @@
           <a:p>
             <a:fld id="{02AC24A9-CCB6-4F8D-B8DB-C2F3692CFA5A}" type="datetimeFigureOut">
               <a:rPr lang="en-US" smtClean="0"/>
-              <a:t>1/21/2024</a:t>
+              <a:t>2/19/2024</a:t>
             </a:fld>
             <a:endParaRPr lang="en-US"/>
           </a:p>
@@ -2937,7 +2937,7 @@
           <a:p>
             <a:fld id="{02AC24A9-CCB6-4F8D-B8DB-C2F3692CFA5A}" type="datetimeFigureOut">
               <a:rPr lang="en-US" smtClean="0"/>
-              <a:t>1/21/2024</a:t>
+              <a:t>2/19/2024</a:t>
             </a:fld>
             <a:endParaRPr lang="en-US"/>
           </a:p>
@@ -3636,7 +3636,7 @@
           <a:p>
             <a:fld id="{02AC24A9-CCB6-4F8D-B8DB-C2F3692CFA5A}" type="datetimeFigureOut">
               <a:rPr lang="en-US" smtClean="0"/>
-              <a:t>1/21/2024</a:t>
+              <a:t>2/19/2024</a:t>
             </a:fld>
             <a:endParaRPr lang="en-US"/>
           </a:p>
@@ -3965,7 +3965,7 @@
           <a:p>
             <a:fld id="{02AC24A9-CCB6-4F8D-B8DB-C2F3692CFA5A}" type="datetimeFigureOut">
               <a:rPr lang="en-US" smtClean="0"/>
-              <a:t>1/21/2024</a:t>
+              <a:t>2/19/2024</a:t>
             </a:fld>
             <a:endParaRPr lang="en-US"/>
           </a:p>
@@ -4078,7 +4078,7 @@
           <a:p>
             <a:fld id="{02AC24A9-CCB6-4F8D-B8DB-C2F3692CFA5A}" type="datetimeFigureOut">
               <a:rPr lang="en-US" smtClean="0"/>
-              <a:t>1/21/2024</a:t>
+              <a:t>2/19/2024</a:t>
             </a:fld>
             <a:endParaRPr lang="en-US"/>
           </a:p>
@@ -4573,7 +4573,7 @@
           <a:p>
             <a:fld id="{02AC24A9-CCB6-4F8D-B8DB-C2F3692CFA5A}" type="datetimeFigureOut">
               <a:rPr lang="en-US" smtClean="0"/>
-              <a:t>1/21/2024</a:t>
+              <a:t>2/19/2024</a:t>
             </a:fld>
             <a:endParaRPr lang="en-US" dirty="0"/>
           </a:p>
@@ -5050,7 +5050,7 @@
           <a:p>
             <a:fld id="{02AC24A9-CCB6-4F8D-B8DB-C2F3692CFA5A}" type="datetimeFigureOut">
               <a:rPr lang="en-US" smtClean="0"/>
-              <a:t>1/21/2024</a:t>
+              <a:t>2/19/2024</a:t>
             </a:fld>
             <a:endParaRPr lang="en-US"/>
           </a:p>
@@ -5293,7 +5293,7 @@
           <a:p>
             <a:fld id="{02AC24A9-CCB6-4F8D-B8DB-C2F3692CFA5A}" type="datetimeFigureOut">
               <a:rPr lang="en-US" smtClean="0"/>
-              <a:t>1/21/2024</a:t>
+              <a:t>2/19/2024</a:t>
             </a:fld>
             <a:endParaRPr lang="en-US"/>
           </a:p>
@@ -6471,7 +6471,15 @@
             </a:r>
             <a:r>
               <a:rPr lang="fr-FR" dirty="0"/>
-              <a:t> est une méthode de la bibliothèque </a:t>
+              <a:t> est </a:t>
+            </a:r>
+            <a:r>
+              <a:rPr lang="fr-FR"/>
+              <a:t>une fonction de </a:t>
+            </a:r>
+            <a:r>
+              <a:rPr lang="fr-FR" dirty="0"/>
+              <a:t>la bibliothèque </a:t>
             </a:r>
             <a:r>
               <a:rPr lang="fr-FR" dirty="0" err="1"/>
@@ -6586,70 +6594,6 @@
           <a:p>
             <a:pPr algn="ctr"/>
             <a:endParaRPr lang="fr-FR"/>
-          </a:p>
-        </p:txBody>
-      </p:sp>
-      <p:sp>
-        <p:nvSpPr>
-          <p:cNvPr id="16" name="ZoneTexte 15">
-            <a:extLst>
-              <a:ext uri="{FF2B5EF4-FFF2-40B4-BE49-F238E27FC236}">
-                <a16:creationId xmlns:a16="http://schemas.microsoft.com/office/drawing/2014/main" id="{E7888D5E-D8DF-E8FF-AF96-96B55D22CC5A}"/>
-              </a:ext>
-            </a:extLst>
-          </p:cNvPr>
-          <p:cNvSpPr txBox="1"/>
-          <p:nvPr/>
-        </p:nvSpPr>
-        <p:spPr>
-          <a:xfrm>
-            <a:off x="1391036" y="5349681"/>
-            <a:ext cx="4197096" cy="584775"/>
-          </a:xfrm>
-          <a:prstGeom prst="rect">
-            <a:avLst/>
-          </a:prstGeom>
-          <a:solidFill>
-            <a:schemeClr val="accent6">
-              <a:lumMod val="40000"/>
-              <a:lumOff val="60000"/>
-            </a:schemeClr>
-          </a:solidFill>
-        </p:spPr>
-        <p:txBody>
-          <a:bodyPr wrap="square" rtlCol="0">
-            <a:spAutoFit/>
-          </a:bodyPr>
-          <a:lstStyle/>
-          <a:p>
-            <a:r>
-              <a:rPr lang="fr-FR" b="1" i="1" dirty="0"/>
-              <a:t>v</a:t>
-            </a:r>
-            <a:r>
-              <a:rPr lang="fr-FR" dirty="0"/>
-              <a:t> est un objet de type </a:t>
-            </a:r>
-            <a:r>
-              <a:rPr lang="fr-FR" b="1" dirty="0" err="1"/>
-              <a:t>ndarray</a:t>
-            </a:r>
-            <a:r>
-              <a:rPr lang="fr-FR" dirty="0"/>
-              <a:t> </a:t>
-            </a:r>
-            <a:r>
-              <a:rPr lang="fr-FR" sz="1400" dirty="0"/>
-              <a:t>(dont la définition est donnée dans la bibliothèque </a:t>
-            </a:r>
-            <a:r>
-              <a:rPr lang="fr-FR" sz="1400" dirty="0" err="1"/>
-              <a:t>Numpy</a:t>
-            </a:r>
-            <a:r>
-              <a:rPr lang="fr-FR" sz="1400" dirty="0"/>
-              <a:t>)</a:t>
-            </a:r>
           </a:p>
         </p:txBody>
       </p:sp>
@@ -6795,8 +6739,8 @@
         </p:nvSpPr>
         <p:spPr>
           <a:xfrm>
-            <a:off x="1391036" y="2767872"/>
-            <a:ext cx="4197096" cy="646331"/>
+            <a:off x="1391036" y="2715618"/>
+            <a:ext cx="4197096" cy="923330"/>
           </a:xfrm>
           <a:prstGeom prst="rect">
             <a:avLst/>
@@ -6823,18 +6767,86 @@
               <a:t> </a:t>
             </a:r>
             <a:r>
-              <a:rPr lang="fr-FR" dirty="0"/>
-              <a:t>est un </a:t>
+              <a:rPr lang="fr-FR"/>
+              <a:t>est module qui contient des fonctions mais aussi des</a:t>
+            </a:r>
+            <a:r>
+              <a:rPr lang="fr-FR" b="1"/>
+              <a:t> </a:t>
             </a:r>
             <a:r>
               <a:rPr lang="fr-FR" b="1" dirty="0"/>
-              <a:t>ensemble de classes </a:t>
+              <a:t>classes </a:t>
             </a:r>
             <a:r>
               <a:rPr lang="fr-FR" dirty="0"/>
               <a:t>avec leurs attributs et méthodes</a:t>
             </a:r>
             <a:endParaRPr lang="fr-FR" sz="1400" dirty="0"/>
+          </a:p>
+        </p:txBody>
+      </p:sp>
+      <p:sp>
+        <p:nvSpPr>
+          <p:cNvPr id="3" name="ZoneTexte 2">
+            <a:extLst>
+              <a:ext uri="{FF2B5EF4-FFF2-40B4-BE49-F238E27FC236}">
+                <a16:creationId xmlns:a16="http://schemas.microsoft.com/office/drawing/2014/main" id="{645C655A-094D-6CFE-A8B9-49878C129027}"/>
+              </a:ext>
+            </a:extLst>
+          </p:cNvPr>
+          <p:cNvSpPr txBox="1"/>
+          <p:nvPr/>
+        </p:nvSpPr>
+        <p:spPr>
+          <a:xfrm>
+            <a:off x="1391036" y="5349681"/>
+            <a:ext cx="4197096" cy="800219"/>
+          </a:xfrm>
+          <a:prstGeom prst="rect">
+            <a:avLst/>
+          </a:prstGeom>
+          <a:solidFill>
+            <a:schemeClr val="accent6">
+              <a:lumMod val="40000"/>
+              <a:lumOff val="60000"/>
+            </a:schemeClr>
+          </a:solidFill>
+        </p:spPr>
+        <p:txBody>
+          <a:bodyPr wrap="square" rtlCol="0">
+            <a:spAutoFit/>
+          </a:bodyPr>
+          <a:lstStyle/>
+          <a:p>
+            <a:r>
+              <a:rPr lang="fr-FR" b="1" i="1" dirty="0"/>
+              <a:t>v</a:t>
+            </a:r>
+            <a:r>
+              <a:rPr lang="fr-FR" dirty="0"/>
+              <a:t> est un objet de type </a:t>
+            </a:r>
+            <a:r>
+              <a:rPr lang="fr-FR" b="1" dirty="0" err="1"/>
+              <a:t>ndarray</a:t>
+            </a:r>
+            <a:r>
+              <a:rPr lang="fr-FR" dirty="0"/>
+              <a:t> </a:t>
+            </a:r>
+            <a:r>
+              <a:rPr lang="fr-FR" sz="1400" dirty="0"/>
+              <a:t>(dont la définition est donnée dans la bibliothèque </a:t>
+            </a:r>
+            <a:r>
+              <a:rPr lang="fr-FR" sz="1400" dirty="0" err="1"/>
+              <a:t>Numpy</a:t>
+            </a:r>
+            <a:r>
+              <a:rPr lang="fr-FR" sz="1400" dirty="0"/>
+              <a:t>)</a:t>
+            </a:r>
           </a:p>
         </p:txBody>
       </p:sp>
@@ -8461,8 +8473,8 @@
         </p:nvSpPr>
         <p:spPr>
           <a:xfrm>
-            <a:off x="1572224" y="1361430"/>
-            <a:ext cx="6096000" cy="646331"/>
+            <a:off x="1572223" y="1361430"/>
+            <a:ext cx="9931799" cy="369332"/>
           </a:xfrm>
           <a:prstGeom prst="rect">
             <a:avLst/>
@@ -8568,6 +8580,53 @@
           </a:extLst>
         </p:spPr>
       </p:pic>
+      <p:sp>
+        <p:nvSpPr>
+          <p:cNvPr id="12" name="ZoneTexte 11">
+            <a:extLst>
+              <a:ext uri="{FF2B5EF4-FFF2-40B4-BE49-F238E27FC236}">
+                <a16:creationId xmlns:a16="http://schemas.microsoft.com/office/drawing/2014/main" id="{E7888D5E-D8DF-E8FF-AF96-96B55D22CC5A}"/>
+              </a:ext>
+            </a:extLst>
+          </p:cNvPr>
+          <p:cNvSpPr txBox="1"/>
+          <p:nvPr/>
+        </p:nvSpPr>
+        <p:spPr>
+          <a:xfrm>
+            <a:off x="2409938" y="6037933"/>
+            <a:ext cx="9494679" cy="646331"/>
+          </a:xfrm>
+          <a:prstGeom prst="rect">
+            <a:avLst/>
+          </a:prstGeom>
+          <a:solidFill>
+            <a:schemeClr val="accent6">
+              <a:lumMod val="40000"/>
+              <a:lumOff val="60000"/>
+            </a:schemeClr>
+          </a:solidFill>
+        </p:spPr>
+        <p:txBody>
+          <a:bodyPr wrap="square" rtlCol="0">
+            <a:spAutoFit/>
+          </a:bodyPr>
+          <a:lstStyle/>
+          <a:p>
+            <a:r>
+              <a:rPr lang="fr-FR" b="1" i="1"/>
+              <a:t>__init__(self,…) est le constructeur : méthode appelée à l’instanciation d’un objet</a:t>
+            </a:r>
+          </a:p>
+          <a:p>
+            <a:r>
+              <a:rPr lang="fr-FR" b="1" i="1"/>
+              <a:t>self est le mot clé utilisé pour accéder aux méthodes et attributs d’instance</a:t>
+            </a:r>
+            <a:endParaRPr lang="fr-FR" b="1" i="1" dirty="0"/>
+          </a:p>
+        </p:txBody>
+      </p:sp>
     </p:spTree>
     <p:extLst>
       <p:ext uri="{BB962C8B-B14F-4D97-AF65-F5344CB8AC3E}">
@@ -11823,7 +11882,15 @@
             </a:r>
             <a:r>
               <a:rPr lang="fr-FR" dirty="0"/>
-              <a:t> est une méthode de la bibliothèque </a:t>
+              <a:t> est </a:t>
+            </a:r>
+            <a:r>
+              <a:rPr lang="fr-FR"/>
+              <a:t>une fonction de </a:t>
+            </a:r>
+            <a:r>
+              <a:rPr lang="fr-FR" dirty="0"/>
+              <a:t>la bibliothèque </a:t>
             </a:r>
             <a:r>
               <a:rPr lang="fr-FR" dirty="0" err="1"/>
@@ -12180,7 +12247,15 @@
             </a:r>
             <a:r>
               <a:rPr lang="fr-FR" dirty="0"/>
-              <a:t> est une méthode de la bibliothèque </a:t>
+              <a:t> est </a:t>
+            </a:r>
+            <a:r>
+              <a:rPr lang="fr-FR"/>
+              <a:t>une fonction de </a:t>
+            </a:r>
+            <a:r>
+              <a:rPr lang="fr-FR" dirty="0"/>
+              <a:t>la bibliothèque </a:t>
             </a:r>
             <a:r>
               <a:rPr lang="fr-FR" dirty="0" err="1"/>
@@ -12395,7 +12470,7 @@
         <p:spPr>
           <a:xfrm>
             <a:off x="1391036" y="5349681"/>
-            <a:ext cx="4197096" cy="584775"/>
+            <a:ext cx="4197096" cy="800219"/>
           </a:xfrm>
           <a:prstGeom prst="rect">
             <a:avLst/>
@@ -12723,7 +12798,15 @@
             </a:r>
             <a:r>
               <a:rPr lang="fr-FR" dirty="0"/>
-              <a:t> est une méthode de la bibliothèque </a:t>
+              <a:t> est </a:t>
+            </a:r>
+            <a:r>
+              <a:rPr lang="fr-FR"/>
+              <a:t>une fonction de </a:t>
+            </a:r>
+            <a:r>
+              <a:rPr lang="fr-FR" dirty="0"/>
+              <a:t>la bibliothèque </a:t>
             </a:r>
             <a:r>
               <a:rPr lang="fr-FR" dirty="0" err="1"/>
@@ -12912,10 +12995,10 @@
       </p:sp>
       <p:sp>
         <p:nvSpPr>
-          <p:cNvPr id="17" name="ZoneTexte 16">
-            <a:extLst>
-              <a:ext uri="{FF2B5EF4-FFF2-40B4-BE49-F238E27FC236}">
-                <a16:creationId xmlns:a16="http://schemas.microsoft.com/office/drawing/2014/main" id="{E7888D5E-D8DF-E8FF-AF96-96B55D22CC5A}"/>
+          <p:cNvPr id="4" name="ZoneTexte 3">
+            <a:extLst>
+              <a:ext uri="{FF2B5EF4-FFF2-40B4-BE49-F238E27FC236}">
+                <a16:creationId xmlns:a16="http://schemas.microsoft.com/office/drawing/2014/main" id="{F4593768-967B-F26D-BAF7-37647CA8339D}"/>
               </a:ext>
             </a:extLst>
           </p:cNvPr>
@@ -12925,7 +13008,7 @@
         <p:spPr>
           <a:xfrm>
             <a:off x="1391036" y="5349681"/>
-            <a:ext cx="4197096" cy="584775"/>
+            <a:ext cx="4197096" cy="800219"/>
           </a:xfrm>
           <a:prstGeom prst="rect">
             <a:avLst/>
@@ -13220,7 +13303,15 @@
             </a:r>
             <a:r>
               <a:rPr lang="fr-FR" dirty="0"/>
-              <a:t> est une méthode de la bibliothèque </a:t>
+              <a:t> est </a:t>
+            </a:r>
+            <a:r>
+              <a:rPr lang="fr-FR"/>
+              <a:t>une fonction de </a:t>
+            </a:r>
+            <a:r>
+              <a:rPr lang="fr-FR" dirty="0"/>
+              <a:t>la bibliothèque </a:t>
             </a:r>
             <a:r>
               <a:rPr lang="fr-FR" dirty="0" err="1"/>
@@ -13529,10 +13620,10 @@
       </p:sp>
       <p:sp>
         <p:nvSpPr>
-          <p:cNvPr id="19" name="ZoneTexte 18">
-            <a:extLst>
-              <a:ext uri="{FF2B5EF4-FFF2-40B4-BE49-F238E27FC236}">
-                <a16:creationId xmlns:a16="http://schemas.microsoft.com/office/drawing/2014/main" id="{E7888D5E-D8DF-E8FF-AF96-96B55D22CC5A}"/>
+          <p:cNvPr id="3" name="ZoneTexte 2">
+            <a:extLst>
+              <a:ext uri="{FF2B5EF4-FFF2-40B4-BE49-F238E27FC236}">
+                <a16:creationId xmlns:a16="http://schemas.microsoft.com/office/drawing/2014/main" id="{2CE02753-4EE5-9008-EA88-C4DDE3B1BC38}"/>
               </a:ext>
             </a:extLst>
           </p:cNvPr>
@@ -13542,7 +13633,7 @@
         <p:spPr>
           <a:xfrm>
             <a:off x="1391036" y="5349681"/>
-            <a:ext cx="4197096" cy="584775"/>
+            <a:ext cx="4197096" cy="800219"/>
           </a:xfrm>
           <a:prstGeom prst="rect">
             <a:avLst/>
